--- a/IETF 122 Fantel Agenda.pptx
+++ b/IETF 122 Fantel Agenda.pptx
@@ -1841,7 +1841,7 @@
           <a:p>
             <a:fld id="{43CFA939-F20A-48DA-BB4C-43AFE00A379A}" type="datetimeFigureOut">
               <a:rPr lang="zh-CN" altLang="en-US" smtClean="0"/>
-              <a:t>2025/2/10</a:t>
+              <a:t>2025/3/10</a:t>
             </a:fld>
             <a:endParaRPr lang="zh-CN" altLang="en-US"/>
           </a:p>
@@ -2009,7 +2009,7 @@
           <a:p>
             <a:fld id="{43CFA939-F20A-48DA-BB4C-43AFE00A379A}" type="datetimeFigureOut">
               <a:rPr lang="zh-CN" altLang="en-US" smtClean="0"/>
-              <a:t>2025/2/10</a:t>
+              <a:t>2025/3/10</a:t>
             </a:fld>
             <a:endParaRPr lang="zh-CN" altLang="en-US"/>
           </a:p>
@@ -2177,7 +2177,7 @@
           <a:p>
             <a:fld id="{43CFA939-F20A-48DA-BB4C-43AFE00A379A}" type="datetimeFigureOut">
               <a:rPr lang="zh-CN" altLang="en-US" smtClean="0"/>
-              <a:t>2025/2/10</a:t>
+              <a:t>2025/3/10</a:t>
             </a:fld>
             <a:endParaRPr lang="zh-CN" altLang="en-US"/>
           </a:p>
@@ -8432,7 +8432,7 @@
                 </a:solidFill>
                 <a:latin typeface="-apple-system"/>
               </a:rPr>
-              <a:t>Zehua</a:t>
+              <a:t>Yongqing</a:t>
             </a:r>
             <a:r>
               <a:rPr lang="en-US" altLang="zh-CN" sz="1600" dirty="0">
@@ -8441,7 +8441,7 @@
                 </a:solidFill>
                 <a:latin typeface="-apple-system"/>
               </a:rPr>
-              <a:t> Hu (China Telecom)(10 mins)</a:t>
+              <a:t> Zhu(China Telecom)(10 mins)</a:t>
             </a:r>
           </a:p>
           <a:p>
@@ -8577,7 +8577,7 @@
                 </a:solidFill>
                 <a:latin typeface="-apple-system"/>
               </a:rPr>
-              <a:t>Next Step Discussions </a:t>
+              <a:t>Charter Discussions </a:t>
             </a:r>
             <a:r>
               <a:rPr lang="en-US" altLang="zh-CN" sz="1600" dirty="0">
@@ -8586,7 +8586,7 @@
                 </a:solidFill>
                 <a:latin typeface="-apple-system"/>
               </a:rPr>
-              <a:t>(20 mins)</a:t>
+              <a:t>(30 mins)</a:t>
             </a:r>
             <a:endParaRPr lang="en-US" altLang="zh-CN" dirty="0">
               <a:solidFill>

--- a/IETF 122 Fantel Agenda.pptx
+++ b/IETF 122 Fantel Agenda.pptx
@@ -236,7 +236,7 @@
           <a:p>
             <a:fld id="{E8CF71B8-DF2A-2E41-BE66-2E18A767DA8A}" type="datetimeFigureOut">
               <a:rPr lang="en-US" smtClean="0"/>
-              <a:t>3/10/2025</a:t>
+              <a:t>3/11/2025</a:t>
             </a:fld>
             <a:endParaRPr lang="en-US"/>
           </a:p>
@@ -413,7 +413,7 @@
           <a:p>
             <a:fld id="{0DD60A27-BF12-6744-9E93-932A0E34D8BB}" type="datetimeFigureOut">
               <a:rPr lang="en-US" smtClean="0"/>
-              <a:t>3/10/2025</a:t>
+              <a:t>3/11/2025</a:t>
             </a:fld>
             <a:endParaRPr lang="en-US"/>
           </a:p>
@@ -1841,7 +1841,7 @@
           <a:p>
             <a:fld id="{43CFA939-F20A-48DA-BB4C-43AFE00A379A}" type="datetimeFigureOut">
               <a:rPr lang="zh-CN" altLang="en-US" smtClean="0"/>
-              <a:t>2025/3/10</a:t>
+              <a:t>2025/3/11</a:t>
             </a:fld>
             <a:endParaRPr lang="zh-CN" altLang="en-US"/>
           </a:p>
@@ -2009,7 +2009,7 @@
           <a:p>
             <a:fld id="{43CFA939-F20A-48DA-BB4C-43AFE00A379A}" type="datetimeFigureOut">
               <a:rPr lang="zh-CN" altLang="en-US" smtClean="0"/>
-              <a:t>2025/3/10</a:t>
+              <a:t>2025/3/11</a:t>
             </a:fld>
             <a:endParaRPr lang="zh-CN" altLang="en-US"/>
           </a:p>
@@ -2177,7 +2177,7 @@
           <a:p>
             <a:fld id="{43CFA939-F20A-48DA-BB4C-43AFE00A379A}" type="datetimeFigureOut">
               <a:rPr lang="zh-CN" altLang="en-US" smtClean="0"/>
-              <a:t>2025/3/10</a:t>
+              <a:t>2025/3/11</a:t>
             </a:fld>
             <a:endParaRPr lang="zh-CN" altLang="en-US"/>
           </a:p>
@@ -8476,6 +8476,10 @@
               <a:t>Gap Analysis from the Perspective of Protection and Load Balancing </a:t>
             </a:r>
             <a:r>
+              <a:rPr lang="en-US" altLang="zh-CN" sz="1600" dirty="0"/>
+              <a:t>Rui Zhuang </a:t>
+            </a:r>
+            <a:r>
               <a:rPr lang="en-US" altLang="zh-CN" sz="1600" dirty="0">
                 <a:solidFill>
                   <a:srgbClr val="1F2328"/>

--- a/IETF 122 Fantel Agenda.pptx
+++ b/IETF 122 Fantel Agenda.pptx
@@ -169,7 +169,7 @@
           <p:cNvPr id="2" name="Header Placeholder 1">
             <a:extLst>
               <a:ext uri="{FF2B5EF4-FFF2-40B4-BE49-F238E27FC236}">
-                <a16:creationId xmlns:a16="http://schemas.microsoft.com/office/drawing/2014/main" id="{8CC198DB-AFBD-584A-8986-364FF2B03F46}"/>
+                <a16:creationId xmlns="" xmlns:a16="http://schemas.microsoft.com/office/drawing/2014/main" id="{8CC198DB-AFBD-584A-8986-364FF2B03F46}"/>
               </a:ext>
             </a:extLst>
           </p:cNvPr>
@@ -206,7 +206,7 @@
           <p:cNvPr id="3" name="Date Placeholder 2">
             <a:extLst>
               <a:ext uri="{FF2B5EF4-FFF2-40B4-BE49-F238E27FC236}">
-                <a16:creationId xmlns:a16="http://schemas.microsoft.com/office/drawing/2014/main" id="{AD01315C-523F-A043-8029-B9921497126E}"/>
+                <a16:creationId xmlns="" xmlns:a16="http://schemas.microsoft.com/office/drawing/2014/main" id="{AD01315C-523F-A043-8029-B9921497126E}"/>
               </a:ext>
             </a:extLst>
           </p:cNvPr>
@@ -236,7 +236,7 @@
           <a:p>
             <a:fld id="{E8CF71B8-DF2A-2E41-BE66-2E18A767DA8A}" type="datetimeFigureOut">
               <a:rPr lang="en-US" smtClean="0"/>
-              <a:t>3/11/2025</a:t>
+              <a:t>3/14/2025</a:t>
             </a:fld>
             <a:endParaRPr lang="en-US"/>
           </a:p>
@@ -247,7 +247,7 @@
           <p:cNvPr id="4" name="Footer Placeholder 3">
             <a:extLst>
               <a:ext uri="{FF2B5EF4-FFF2-40B4-BE49-F238E27FC236}">
-                <a16:creationId xmlns:a16="http://schemas.microsoft.com/office/drawing/2014/main" id="{B9601424-70F4-1643-8E3A-557A0258D6B6}"/>
+                <a16:creationId xmlns="" xmlns:a16="http://schemas.microsoft.com/office/drawing/2014/main" id="{B9601424-70F4-1643-8E3A-557A0258D6B6}"/>
               </a:ext>
             </a:extLst>
           </p:cNvPr>
@@ -284,7 +284,7 @@
           <p:cNvPr id="5" name="Slide Number Placeholder 4">
             <a:extLst>
               <a:ext uri="{FF2B5EF4-FFF2-40B4-BE49-F238E27FC236}">
-                <a16:creationId xmlns:a16="http://schemas.microsoft.com/office/drawing/2014/main" id="{E85BF48A-FF5C-8145-95A7-EE66A87C73DF}"/>
+                <a16:creationId xmlns="" xmlns:a16="http://schemas.microsoft.com/office/drawing/2014/main" id="{E85BF48A-FF5C-8145-95A7-EE66A87C73DF}"/>
               </a:ext>
             </a:extLst>
           </p:cNvPr>
@@ -413,7 +413,7 @@
           <a:p>
             <a:fld id="{0DD60A27-BF12-6744-9E93-932A0E34D8BB}" type="datetimeFigureOut">
               <a:rPr lang="en-US" smtClean="0"/>
-              <a:t>3/11/2025</a:t>
+              <a:t>3/14/2025</a:t>
             </a:fld>
             <a:endParaRPr lang="en-US"/>
           </a:p>
@@ -788,7 +788,7 @@
           <p:cNvPr id="10" name="Title 1">
             <a:extLst>
               <a:ext uri="{FF2B5EF4-FFF2-40B4-BE49-F238E27FC236}">
-                <a16:creationId xmlns:a16="http://schemas.microsoft.com/office/drawing/2014/main" id="{8227DEE9-8BE9-0D49-BF96-9E83C5312E00}"/>
+                <a16:creationId xmlns="" xmlns:a16="http://schemas.microsoft.com/office/drawing/2014/main" id="{8227DEE9-8BE9-0D49-BF96-9E83C5312E00}"/>
               </a:ext>
             </a:extLst>
           </p:cNvPr>
@@ -841,7 +841,7 @@
           <p:cNvPr id="6" name="Text Placeholder 5">
             <a:extLst>
               <a:ext uri="{FF2B5EF4-FFF2-40B4-BE49-F238E27FC236}">
-                <a16:creationId xmlns:a16="http://schemas.microsoft.com/office/drawing/2014/main" id="{2F43DA98-D48D-6947-95EF-BA3B05E68822}"/>
+                <a16:creationId xmlns="" xmlns:a16="http://schemas.microsoft.com/office/drawing/2014/main" id="{2F43DA98-D48D-6947-95EF-BA3B05E68822}"/>
               </a:ext>
             </a:extLst>
           </p:cNvPr>
@@ -887,7 +887,7 @@
           <p:cNvPr id="9" name="Text Placeholder 5">
             <a:extLst>
               <a:ext uri="{FF2B5EF4-FFF2-40B4-BE49-F238E27FC236}">
-                <a16:creationId xmlns:a16="http://schemas.microsoft.com/office/drawing/2014/main" id="{52F8733E-C4C9-8D4D-8DDA-CAB265AC05A0}"/>
+                <a16:creationId xmlns="" xmlns:a16="http://schemas.microsoft.com/office/drawing/2014/main" id="{52F8733E-C4C9-8D4D-8DDA-CAB265AC05A0}"/>
               </a:ext>
             </a:extLst>
           </p:cNvPr>
@@ -1004,7 +1004,7 @@
           <p:cNvPr id="8" name="Title 1">
             <a:extLst>
               <a:ext uri="{FF2B5EF4-FFF2-40B4-BE49-F238E27FC236}">
-                <a16:creationId xmlns:a16="http://schemas.microsoft.com/office/drawing/2014/main" id="{62AA4863-E1EF-3342-A8CB-ECD4FD06CEB7}"/>
+                <a16:creationId xmlns="" xmlns:a16="http://schemas.microsoft.com/office/drawing/2014/main" id="{62AA4863-E1EF-3342-A8CB-ECD4FD06CEB7}"/>
               </a:ext>
             </a:extLst>
           </p:cNvPr>
@@ -1053,7 +1053,7 @@
           <p:cNvPr id="5" name="Text Placeholder 5">
             <a:extLst>
               <a:ext uri="{FF2B5EF4-FFF2-40B4-BE49-F238E27FC236}">
-                <a16:creationId xmlns:a16="http://schemas.microsoft.com/office/drawing/2014/main" id="{195303EA-8491-464F-99A0-67F948701C12}"/>
+                <a16:creationId xmlns="" xmlns:a16="http://schemas.microsoft.com/office/drawing/2014/main" id="{195303EA-8491-464F-99A0-67F948701C12}"/>
               </a:ext>
             </a:extLst>
           </p:cNvPr>
@@ -1099,7 +1099,7 @@
           <p:cNvPr id="6" name="Text Placeholder 5">
             <a:extLst>
               <a:ext uri="{FF2B5EF4-FFF2-40B4-BE49-F238E27FC236}">
-                <a16:creationId xmlns:a16="http://schemas.microsoft.com/office/drawing/2014/main" id="{56DBC59C-CE55-E340-A3AE-F88AAF0D7560}"/>
+                <a16:creationId xmlns="" xmlns:a16="http://schemas.microsoft.com/office/drawing/2014/main" id="{56DBC59C-CE55-E340-A3AE-F88AAF0D7560}"/>
               </a:ext>
             </a:extLst>
           </p:cNvPr>
@@ -1144,7 +1144,7 @@
           <p:cNvPr id="14" name="L 形 17">
             <a:extLst>
               <a:ext uri="{FF2B5EF4-FFF2-40B4-BE49-F238E27FC236}">
-                <a16:creationId xmlns:a16="http://schemas.microsoft.com/office/drawing/2014/main" id="{3049C48A-4CAE-8940-8A29-89DE0543DF4C}"/>
+                <a16:creationId xmlns="" xmlns:a16="http://schemas.microsoft.com/office/drawing/2014/main" id="{3049C48A-4CAE-8940-8A29-89DE0543DF4C}"/>
               </a:ext>
             </a:extLst>
           </p:cNvPr>
@@ -1320,7 +1320,7 @@
           <p:cNvPr id="8" name="Title 1">
             <a:extLst>
               <a:ext uri="{FF2B5EF4-FFF2-40B4-BE49-F238E27FC236}">
-                <a16:creationId xmlns:a16="http://schemas.microsoft.com/office/drawing/2014/main" id="{FB908F03-BBCC-164B-BE54-2E836D6E7C14}"/>
+                <a16:creationId xmlns="" xmlns:a16="http://schemas.microsoft.com/office/drawing/2014/main" id="{FB908F03-BBCC-164B-BE54-2E836D6E7C14}"/>
               </a:ext>
             </a:extLst>
           </p:cNvPr>
@@ -1369,7 +1369,7 @@
           <p:cNvPr id="5" name="Text Placeholder 5">
             <a:extLst>
               <a:ext uri="{FF2B5EF4-FFF2-40B4-BE49-F238E27FC236}">
-                <a16:creationId xmlns:a16="http://schemas.microsoft.com/office/drawing/2014/main" id="{A3BE9F9B-07D9-DD4C-9CEF-250804A4145A}"/>
+                <a16:creationId xmlns="" xmlns:a16="http://schemas.microsoft.com/office/drawing/2014/main" id="{A3BE9F9B-07D9-DD4C-9CEF-250804A4145A}"/>
               </a:ext>
             </a:extLst>
           </p:cNvPr>
@@ -1415,7 +1415,7 @@
           <p:cNvPr id="6" name="Text Placeholder 5">
             <a:extLst>
               <a:ext uri="{FF2B5EF4-FFF2-40B4-BE49-F238E27FC236}">
-                <a16:creationId xmlns:a16="http://schemas.microsoft.com/office/drawing/2014/main" id="{93A299E5-0026-5A42-88AA-B3A7F29D3ABD}"/>
+                <a16:creationId xmlns="" xmlns:a16="http://schemas.microsoft.com/office/drawing/2014/main" id="{93A299E5-0026-5A42-88AA-B3A7F29D3ABD}"/>
               </a:ext>
             </a:extLst>
           </p:cNvPr>
@@ -1624,7 +1624,7 @@
           <p:cNvPr id="5" name="Text Placeholder 5">
             <a:extLst>
               <a:ext uri="{FF2B5EF4-FFF2-40B4-BE49-F238E27FC236}">
-                <a16:creationId xmlns:a16="http://schemas.microsoft.com/office/drawing/2014/main" id="{6BB7B2F8-0AF7-D04F-81DD-52FDB6B7326C}"/>
+                <a16:creationId xmlns="" xmlns:a16="http://schemas.microsoft.com/office/drawing/2014/main" id="{6BB7B2F8-0AF7-D04F-81DD-52FDB6B7326C}"/>
               </a:ext>
             </a:extLst>
           </p:cNvPr>
@@ -1670,7 +1670,7 @@
           <p:cNvPr id="6" name="Text Placeholder 5">
             <a:extLst>
               <a:ext uri="{FF2B5EF4-FFF2-40B4-BE49-F238E27FC236}">
-                <a16:creationId xmlns:a16="http://schemas.microsoft.com/office/drawing/2014/main" id="{462D1BCC-0781-514D-8FE8-12F4AF64BC39}"/>
+                <a16:creationId xmlns="" xmlns:a16="http://schemas.microsoft.com/office/drawing/2014/main" id="{462D1BCC-0781-514D-8FE8-12F4AF64BC39}"/>
               </a:ext>
             </a:extLst>
           </p:cNvPr>
@@ -1841,7 +1841,7 @@
           <a:p>
             <a:fld id="{43CFA939-F20A-48DA-BB4C-43AFE00A379A}" type="datetimeFigureOut">
               <a:rPr lang="zh-CN" altLang="en-US" smtClean="0"/>
-              <a:t>2025/3/11</a:t>
+              <a:t>2025/3/14</a:t>
             </a:fld>
             <a:endParaRPr lang="zh-CN" altLang="en-US"/>
           </a:p>
@@ -2009,7 +2009,7 @@
           <a:p>
             <a:fld id="{43CFA939-F20A-48DA-BB4C-43AFE00A379A}" type="datetimeFigureOut">
               <a:rPr lang="zh-CN" altLang="en-US" smtClean="0"/>
-              <a:t>2025/3/11</a:t>
+              <a:t>2025/3/14</a:t>
             </a:fld>
             <a:endParaRPr lang="zh-CN" altLang="en-US"/>
           </a:p>
@@ -2177,7 +2177,7 @@
           <a:p>
             <a:fld id="{43CFA939-F20A-48DA-BB4C-43AFE00A379A}" type="datetimeFigureOut">
               <a:rPr lang="zh-CN" altLang="en-US" smtClean="0"/>
-              <a:t>2025/3/11</a:t>
+              <a:t>2025/3/14</a:t>
             </a:fld>
             <a:endParaRPr lang="zh-CN" altLang="en-US"/>
           </a:p>
@@ -2268,7 +2268,7 @@
           <p:cNvPr id="3" name="TextBox 2">
             <a:extLst>
               <a:ext uri="{FF2B5EF4-FFF2-40B4-BE49-F238E27FC236}">
-                <a16:creationId xmlns:a16="http://schemas.microsoft.com/office/drawing/2014/main" id="{C1960DD1-8AC3-8F46-9D2D-BF81187F43FC}"/>
+                <a16:creationId xmlns="" xmlns:a16="http://schemas.microsoft.com/office/drawing/2014/main" id="{C1960DD1-8AC3-8F46-9D2D-BF81187F43FC}"/>
               </a:ext>
             </a:extLst>
           </p:cNvPr>
@@ -2346,7 +2346,7 @@
           <p:cNvPr id="4" name="Rectangle 3">
             <a:extLst>
               <a:ext uri="{FF2B5EF4-FFF2-40B4-BE49-F238E27FC236}">
-                <a16:creationId xmlns:a16="http://schemas.microsoft.com/office/drawing/2014/main" id="{619181AA-8E93-7743-ADEB-8A06A0DFC13A}"/>
+                <a16:creationId xmlns="" xmlns:a16="http://schemas.microsoft.com/office/drawing/2014/main" id="{619181AA-8E93-7743-ADEB-8A06A0DFC13A}"/>
               </a:ext>
             </a:extLst>
           </p:cNvPr>
@@ -2403,7 +2403,7 @@
           <p:cNvPr id="5" name="Picture 4">
             <a:extLst>
               <a:ext uri="{FF2B5EF4-FFF2-40B4-BE49-F238E27FC236}">
-                <a16:creationId xmlns:a16="http://schemas.microsoft.com/office/drawing/2014/main" id="{E6E8B5C1-4D37-8442-902D-D86F9BBDE27E}"/>
+                <a16:creationId xmlns="" xmlns:a16="http://schemas.microsoft.com/office/drawing/2014/main" id="{E6E8B5C1-4D37-8442-902D-D86F9BBDE27E}"/>
               </a:ext>
             </a:extLst>
           </p:cNvPr>
@@ -3093,7 +3093,7 @@
           <p:cNvPr id="3" name="TextBox 2">
             <a:extLst>
               <a:ext uri="{FF2B5EF4-FFF2-40B4-BE49-F238E27FC236}">
-                <a16:creationId xmlns:a16="http://schemas.microsoft.com/office/drawing/2014/main" id="{6785A3D6-1271-D247-9E96-1B376F4BE7BE}"/>
+                <a16:creationId xmlns="" xmlns:a16="http://schemas.microsoft.com/office/drawing/2014/main" id="{6785A3D6-1271-D247-9E96-1B376F4BE7BE}"/>
               </a:ext>
             </a:extLst>
           </p:cNvPr>
@@ -3143,7 +3143,7 @@
           <p:cNvPr id="4" name="TextBox 3">
             <a:extLst>
               <a:ext uri="{FF2B5EF4-FFF2-40B4-BE49-F238E27FC236}">
-                <a16:creationId xmlns:a16="http://schemas.microsoft.com/office/drawing/2014/main" id="{EABEE2EE-BF4D-7A4A-B3C6-9E47668CCD98}"/>
+                <a16:creationId xmlns="" xmlns:a16="http://schemas.microsoft.com/office/drawing/2014/main" id="{EABEE2EE-BF4D-7A4A-B3C6-9E47668CCD98}"/>
               </a:ext>
             </a:extLst>
           </p:cNvPr>
@@ -3225,7 +3225,7 @@
           <p:cNvPr id="88" name="Group 87">
             <a:extLst>
               <a:ext uri="{FF2B5EF4-FFF2-40B4-BE49-F238E27FC236}">
-                <a16:creationId xmlns:a16="http://schemas.microsoft.com/office/drawing/2014/main" id="{37333705-F8D6-2847-B3CB-F2FAB51E2A3B}"/>
+                <a16:creationId xmlns="" xmlns:a16="http://schemas.microsoft.com/office/drawing/2014/main" id="{37333705-F8D6-2847-B3CB-F2FAB51E2A3B}"/>
               </a:ext>
             </a:extLst>
           </p:cNvPr>
@@ -3247,7 +3247,7 @@
             <p:cNvPr id="89" name="矩形 13">
               <a:extLst>
                 <a:ext uri="{FF2B5EF4-FFF2-40B4-BE49-F238E27FC236}">
-                  <a16:creationId xmlns:a16="http://schemas.microsoft.com/office/drawing/2014/main" id="{B14DFA89-D483-CF47-82CC-DD86D7CAB09E}"/>
+                  <a16:creationId xmlns="" xmlns:a16="http://schemas.microsoft.com/office/drawing/2014/main" id="{B14DFA89-D483-CF47-82CC-DD86D7CAB09E}"/>
                 </a:ext>
               </a:extLst>
             </p:cNvPr>
@@ -3334,7 +3334,7 @@
             <p:cNvPr id="90" name="文本框 15">
               <a:extLst>
                 <a:ext uri="{FF2B5EF4-FFF2-40B4-BE49-F238E27FC236}">
-                  <a16:creationId xmlns:a16="http://schemas.microsoft.com/office/drawing/2014/main" id="{8223ADA0-340A-794B-93B7-24AFF612A719}"/>
+                  <a16:creationId xmlns="" xmlns:a16="http://schemas.microsoft.com/office/drawing/2014/main" id="{8223ADA0-340A-794B-93B7-24AFF612A719}"/>
                 </a:ext>
               </a:extLst>
             </p:cNvPr>
@@ -3380,7 +3380,7 @@
             <p:cNvPr id="91" name="矩形 13">
               <a:extLst>
                 <a:ext uri="{FF2B5EF4-FFF2-40B4-BE49-F238E27FC236}">
-                  <a16:creationId xmlns:a16="http://schemas.microsoft.com/office/drawing/2014/main" id="{5F63E0E3-4F22-7948-AB1A-40A84ECA92EC}"/>
+                  <a16:creationId xmlns="" xmlns:a16="http://schemas.microsoft.com/office/drawing/2014/main" id="{5F63E0E3-4F22-7948-AB1A-40A84ECA92EC}"/>
                 </a:ext>
               </a:extLst>
             </p:cNvPr>
@@ -3467,7 +3467,7 @@
             <p:cNvPr id="92" name="矩形 13">
               <a:extLst>
                 <a:ext uri="{FF2B5EF4-FFF2-40B4-BE49-F238E27FC236}">
-                  <a16:creationId xmlns:a16="http://schemas.microsoft.com/office/drawing/2014/main" id="{29C4A3C6-7C7B-7140-8F73-591E9F49143F}"/>
+                  <a16:creationId xmlns="" xmlns:a16="http://schemas.microsoft.com/office/drawing/2014/main" id="{29C4A3C6-7C7B-7140-8F73-591E9F49143F}"/>
                 </a:ext>
               </a:extLst>
             </p:cNvPr>
@@ -3554,7 +3554,7 @@
             <p:cNvPr id="93" name="矩形 13">
               <a:extLst>
                 <a:ext uri="{FF2B5EF4-FFF2-40B4-BE49-F238E27FC236}">
-                  <a16:creationId xmlns:a16="http://schemas.microsoft.com/office/drawing/2014/main" id="{BE4C9A8D-46B0-5B40-BC47-DB6C4899227F}"/>
+                  <a16:creationId xmlns="" xmlns:a16="http://schemas.microsoft.com/office/drawing/2014/main" id="{BE4C9A8D-46B0-5B40-BC47-DB6C4899227F}"/>
                 </a:ext>
               </a:extLst>
             </p:cNvPr>
@@ -3653,7 +3653,7 @@
             <p:cNvPr id="94" name="矩形 13">
               <a:extLst>
                 <a:ext uri="{FF2B5EF4-FFF2-40B4-BE49-F238E27FC236}">
-                  <a16:creationId xmlns:a16="http://schemas.microsoft.com/office/drawing/2014/main" id="{612F2ED4-F7A4-9E48-95E1-8D07B3BBE962}"/>
+                  <a16:creationId xmlns="" xmlns:a16="http://schemas.microsoft.com/office/drawing/2014/main" id="{612F2ED4-F7A4-9E48-95E1-8D07B3BBE962}"/>
                 </a:ext>
               </a:extLst>
             </p:cNvPr>
@@ -3740,7 +3740,7 @@
             <p:cNvPr id="95" name="矩形 13">
               <a:extLst>
                 <a:ext uri="{FF2B5EF4-FFF2-40B4-BE49-F238E27FC236}">
-                  <a16:creationId xmlns:a16="http://schemas.microsoft.com/office/drawing/2014/main" id="{A9E1D476-C288-8945-A68A-1F20C557294B}"/>
+                  <a16:creationId xmlns="" xmlns:a16="http://schemas.microsoft.com/office/drawing/2014/main" id="{A9E1D476-C288-8945-A68A-1F20C557294B}"/>
                 </a:ext>
               </a:extLst>
             </p:cNvPr>
@@ -3835,7 +3835,7 @@
             <p:cNvPr id="96" name="矩形 13">
               <a:extLst>
                 <a:ext uri="{FF2B5EF4-FFF2-40B4-BE49-F238E27FC236}">
-                  <a16:creationId xmlns:a16="http://schemas.microsoft.com/office/drawing/2014/main" id="{42823EBB-E62E-F149-AC9A-09950051F283}"/>
+                  <a16:creationId xmlns="" xmlns:a16="http://schemas.microsoft.com/office/drawing/2014/main" id="{42823EBB-E62E-F149-AC9A-09950051F283}"/>
                 </a:ext>
               </a:extLst>
             </p:cNvPr>
@@ -3943,7 +3943,7 @@
             <p:cNvPr id="97" name="文本框 15">
               <a:extLst>
                 <a:ext uri="{FF2B5EF4-FFF2-40B4-BE49-F238E27FC236}">
-                  <a16:creationId xmlns:a16="http://schemas.microsoft.com/office/drawing/2014/main" id="{EA01C299-6FF2-3642-AAEC-A1DF62D9C654}"/>
+                  <a16:creationId xmlns="" xmlns:a16="http://schemas.microsoft.com/office/drawing/2014/main" id="{EA01C299-6FF2-3642-AAEC-A1DF62D9C654}"/>
                 </a:ext>
               </a:extLst>
             </p:cNvPr>
@@ -3989,7 +3989,7 @@
             <p:cNvPr id="98" name="矩形 13">
               <a:extLst>
                 <a:ext uri="{FF2B5EF4-FFF2-40B4-BE49-F238E27FC236}">
-                  <a16:creationId xmlns:a16="http://schemas.microsoft.com/office/drawing/2014/main" id="{B84AB502-165F-764A-9621-65CA8CBBEAEA}"/>
+                  <a16:creationId xmlns="" xmlns:a16="http://schemas.microsoft.com/office/drawing/2014/main" id="{B84AB502-165F-764A-9621-65CA8CBBEAEA}"/>
                 </a:ext>
               </a:extLst>
             </p:cNvPr>
@@ -4094,7 +4094,7 @@
             <p:cNvPr id="99" name="矩形 13">
               <a:extLst>
                 <a:ext uri="{FF2B5EF4-FFF2-40B4-BE49-F238E27FC236}">
-                  <a16:creationId xmlns:a16="http://schemas.microsoft.com/office/drawing/2014/main" id="{CB8870E8-3E95-764C-B621-A168E194CC7A}"/>
+                  <a16:creationId xmlns="" xmlns:a16="http://schemas.microsoft.com/office/drawing/2014/main" id="{CB8870E8-3E95-764C-B621-A168E194CC7A}"/>
                 </a:ext>
               </a:extLst>
             </p:cNvPr>
@@ -4181,7 +4181,7 @@
             <p:cNvPr id="100" name="矩形 13">
               <a:extLst>
                 <a:ext uri="{FF2B5EF4-FFF2-40B4-BE49-F238E27FC236}">
-                  <a16:creationId xmlns:a16="http://schemas.microsoft.com/office/drawing/2014/main" id="{356EF69A-1936-544F-A95F-0664F4E186D5}"/>
+                  <a16:creationId xmlns="" xmlns:a16="http://schemas.microsoft.com/office/drawing/2014/main" id="{356EF69A-1936-544F-A95F-0664F4E186D5}"/>
                 </a:ext>
               </a:extLst>
             </p:cNvPr>
@@ -4268,7 +4268,7 @@
             <p:cNvPr id="101" name="矩形 13">
               <a:extLst>
                 <a:ext uri="{FF2B5EF4-FFF2-40B4-BE49-F238E27FC236}">
-                  <a16:creationId xmlns:a16="http://schemas.microsoft.com/office/drawing/2014/main" id="{03EBAB43-95A5-1C4A-8458-B86EB3D51FCA}"/>
+                  <a16:creationId xmlns="" xmlns:a16="http://schemas.microsoft.com/office/drawing/2014/main" id="{03EBAB43-95A5-1C4A-8458-B86EB3D51FCA}"/>
                 </a:ext>
               </a:extLst>
             </p:cNvPr>
@@ -4355,7 +4355,7 @@
             <p:cNvPr id="102" name="矩形 13">
               <a:extLst>
                 <a:ext uri="{FF2B5EF4-FFF2-40B4-BE49-F238E27FC236}">
-                  <a16:creationId xmlns:a16="http://schemas.microsoft.com/office/drawing/2014/main" id="{371A8520-F934-304C-B57F-B49F768694E2}"/>
+                  <a16:creationId xmlns="" xmlns:a16="http://schemas.microsoft.com/office/drawing/2014/main" id="{371A8520-F934-304C-B57F-B49F768694E2}"/>
                 </a:ext>
               </a:extLst>
             </p:cNvPr>
@@ -4442,7 +4442,7 @@
             <p:cNvPr id="103" name="矩形 13">
               <a:extLst>
                 <a:ext uri="{FF2B5EF4-FFF2-40B4-BE49-F238E27FC236}">
-                  <a16:creationId xmlns:a16="http://schemas.microsoft.com/office/drawing/2014/main" id="{B83004D7-279B-C14E-9FCF-870FA1B74FDF}"/>
+                  <a16:creationId xmlns="" xmlns:a16="http://schemas.microsoft.com/office/drawing/2014/main" id="{B83004D7-279B-C14E-9FCF-870FA1B74FDF}"/>
                 </a:ext>
               </a:extLst>
             </p:cNvPr>
@@ -4529,7 +4529,7 @@
             <p:cNvPr id="104" name="矩形 13">
               <a:extLst>
                 <a:ext uri="{FF2B5EF4-FFF2-40B4-BE49-F238E27FC236}">
-                  <a16:creationId xmlns:a16="http://schemas.microsoft.com/office/drawing/2014/main" id="{99635968-4E69-CC41-9D78-6DF253FE3035}"/>
+                  <a16:creationId xmlns="" xmlns:a16="http://schemas.microsoft.com/office/drawing/2014/main" id="{99635968-4E69-CC41-9D78-6DF253FE3035}"/>
                 </a:ext>
               </a:extLst>
             </p:cNvPr>
@@ -4616,7 +4616,7 @@
             <p:cNvPr id="105" name="矩形 13">
               <a:extLst>
                 <a:ext uri="{FF2B5EF4-FFF2-40B4-BE49-F238E27FC236}">
-                  <a16:creationId xmlns:a16="http://schemas.microsoft.com/office/drawing/2014/main" id="{BDBE4949-07B7-F046-AD95-68E4B0C11CCD}"/>
+                  <a16:creationId xmlns="" xmlns:a16="http://schemas.microsoft.com/office/drawing/2014/main" id="{BDBE4949-07B7-F046-AD95-68E4B0C11CCD}"/>
                 </a:ext>
               </a:extLst>
             </p:cNvPr>
@@ -4703,7 +4703,7 @@
             <p:cNvPr id="106" name="矩形 13">
               <a:extLst>
                 <a:ext uri="{FF2B5EF4-FFF2-40B4-BE49-F238E27FC236}">
-                  <a16:creationId xmlns:a16="http://schemas.microsoft.com/office/drawing/2014/main" id="{AA9F9E00-6A31-F14B-A2E4-79908835FD14}"/>
+                  <a16:creationId xmlns="" xmlns:a16="http://schemas.microsoft.com/office/drawing/2014/main" id="{AA9F9E00-6A31-F14B-A2E4-79908835FD14}"/>
                 </a:ext>
               </a:extLst>
             </p:cNvPr>
@@ -4787,7 +4787,7 @@
             <p:cNvPr id="107" name="矩形 13">
               <a:extLst>
                 <a:ext uri="{FF2B5EF4-FFF2-40B4-BE49-F238E27FC236}">
-                  <a16:creationId xmlns:a16="http://schemas.microsoft.com/office/drawing/2014/main" id="{38715A31-485E-B744-B409-43F9F04B48F7}"/>
+                  <a16:creationId xmlns="" xmlns:a16="http://schemas.microsoft.com/office/drawing/2014/main" id="{38715A31-485E-B744-B409-43F9F04B48F7}"/>
                 </a:ext>
               </a:extLst>
             </p:cNvPr>
@@ -4853,7 +4853,7 @@
             <p:cNvPr id="108" name="矩形 13">
               <a:extLst>
                 <a:ext uri="{FF2B5EF4-FFF2-40B4-BE49-F238E27FC236}">
-                  <a16:creationId xmlns:a16="http://schemas.microsoft.com/office/drawing/2014/main" id="{4AE1609B-25DD-2C4A-B05B-D18ADBC39C71}"/>
+                  <a16:creationId xmlns="" xmlns:a16="http://schemas.microsoft.com/office/drawing/2014/main" id="{4AE1609B-25DD-2C4A-B05B-D18ADBC39C71}"/>
                 </a:ext>
               </a:extLst>
             </p:cNvPr>
@@ -4931,7 +4931,7 @@
             <p:cNvPr id="109" name="矩形 13">
               <a:extLst>
                 <a:ext uri="{FF2B5EF4-FFF2-40B4-BE49-F238E27FC236}">
-                  <a16:creationId xmlns:a16="http://schemas.microsoft.com/office/drawing/2014/main" id="{ECE90F9F-DBBC-0B49-A42C-8B62397E473E}"/>
+                  <a16:creationId xmlns="" xmlns:a16="http://schemas.microsoft.com/office/drawing/2014/main" id="{ECE90F9F-DBBC-0B49-A42C-8B62397E473E}"/>
                 </a:ext>
               </a:extLst>
             </p:cNvPr>
@@ -5005,7 +5005,7 @@
             <p:cNvPr id="110" name="矩形 13">
               <a:extLst>
                 <a:ext uri="{FF2B5EF4-FFF2-40B4-BE49-F238E27FC236}">
-                  <a16:creationId xmlns:a16="http://schemas.microsoft.com/office/drawing/2014/main" id="{D5B387BA-F8B8-B54E-966E-F24E271747C4}"/>
+                  <a16:creationId xmlns="" xmlns:a16="http://schemas.microsoft.com/office/drawing/2014/main" id="{D5B387BA-F8B8-B54E-966E-F24E271747C4}"/>
                 </a:ext>
               </a:extLst>
             </p:cNvPr>
@@ -5071,7 +5071,7 @@
             <p:cNvPr id="111" name="矩形 13">
               <a:extLst>
                 <a:ext uri="{FF2B5EF4-FFF2-40B4-BE49-F238E27FC236}">
-                  <a16:creationId xmlns:a16="http://schemas.microsoft.com/office/drawing/2014/main" id="{E6C9B99E-8C1C-2B49-B82E-3C754B8E5C02}"/>
+                  <a16:creationId xmlns="" xmlns:a16="http://schemas.microsoft.com/office/drawing/2014/main" id="{E6C9B99E-8C1C-2B49-B82E-3C754B8E5C02}"/>
                 </a:ext>
               </a:extLst>
             </p:cNvPr>
@@ -5137,7 +5137,7 @@
             <p:cNvPr id="112" name="矩形 13">
               <a:extLst>
                 <a:ext uri="{FF2B5EF4-FFF2-40B4-BE49-F238E27FC236}">
-                  <a16:creationId xmlns:a16="http://schemas.microsoft.com/office/drawing/2014/main" id="{0106BFA2-9DE1-3A42-A6C6-69BCE0FA34F4}"/>
+                  <a16:creationId xmlns="" xmlns:a16="http://schemas.microsoft.com/office/drawing/2014/main" id="{0106BFA2-9DE1-3A42-A6C6-69BCE0FA34F4}"/>
                 </a:ext>
               </a:extLst>
             </p:cNvPr>
@@ -5203,7 +5203,7 @@
             <p:cNvPr id="113" name="矩形 13">
               <a:extLst>
                 <a:ext uri="{FF2B5EF4-FFF2-40B4-BE49-F238E27FC236}">
-                  <a16:creationId xmlns:a16="http://schemas.microsoft.com/office/drawing/2014/main" id="{F760C1C5-4342-C346-A7D2-D101978EDF66}"/>
+                  <a16:creationId xmlns="" xmlns:a16="http://schemas.microsoft.com/office/drawing/2014/main" id="{F760C1C5-4342-C346-A7D2-D101978EDF66}"/>
                 </a:ext>
               </a:extLst>
             </p:cNvPr>
@@ -5269,7 +5269,7 @@
             <p:cNvPr id="114" name="矩形 13">
               <a:extLst>
                 <a:ext uri="{FF2B5EF4-FFF2-40B4-BE49-F238E27FC236}">
-                  <a16:creationId xmlns:a16="http://schemas.microsoft.com/office/drawing/2014/main" id="{5BB50A4A-0B64-7E4C-824C-1EBCA1A992CF}"/>
+                  <a16:creationId xmlns="" xmlns:a16="http://schemas.microsoft.com/office/drawing/2014/main" id="{5BB50A4A-0B64-7E4C-824C-1EBCA1A992CF}"/>
                 </a:ext>
               </a:extLst>
             </p:cNvPr>
@@ -5335,7 +5335,7 @@
             <p:cNvPr id="115" name="矩形 13">
               <a:extLst>
                 <a:ext uri="{FF2B5EF4-FFF2-40B4-BE49-F238E27FC236}">
-                  <a16:creationId xmlns:a16="http://schemas.microsoft.com/office/drawing/2014/main" id="{756A7E25-6C44-8A44-A8C5-61D19BC9EDAF}"/>
+                  <a16:creationId xmlns="" xmlns:a16="http://schemas.microsoft.com/office/drawing/2014/main" id="{756A7E25-6C44-8A44-A8C5-61D19BC9EDAF}"/>
                 </a:ext>
               </a:extLst>
             </p:cNvPr>
@@ -5401,7 +5401,7 @@
             <p:cNvPr id="116" name="矩形 13">
               <a:extLst>
                 <a:ext uri="{FF2B5EF4-FFF2-40B4-BE49-F238E27FC236}">
-                  <a16:creationId xmlns:a16="http://schemas.microsoft.com/office/drawing/2014/main" id="{96588389-39CD-DF4E-B9AC-92091E25724E}"/>
+                  <a16:creationId xmlns="" xmlns:a16="http://schemas.microsoft.com/office/drawing/2014/main" id="{96588389-39CD-DF4E-B9AC-92091E25724E}"/>
                 </a:ext>
               </a:extLst>
             </p:cNvPr>
@@ -5479,7 +5479,7 @@
             <p:cNvPr id="117" name="矩形 13">
               <a:extLst>
                 <a:ext uri="{FF2B5EF4-FFF2-40B4-BE49-F238E27FC236}">
-                  <a16:creationId xmlns:a16="http://schemas.microsoft.com/office/drawing/2014/main" id="{20725C9F-31AE-DB44-B70A-B4ECDEC0BC00}"/>
+                  <a16:creationId xmlns="" xmlns:a16="http://schemas.microsoft.com/office/drawing/2014/main" id="{20725C9F-31AE-DB44-B70A-B4ECDEC0BC00}"/>
                 </a:ext>
               </a:extLst>
             </p:cNvPr>
@@ -5553,7 +5553,7 @@
             <p:cNvPr id="118" name="矩形 13">
               <a:extLst>
                 <a:ext uri="{FF2B5EF4-FFF2-40B4-BE49-F238E27FC236}">
-                  <a16:creationId xmlns:a16="http://schemas.microsoft.com/office/drawing/2014/main" id="{AC5BCC27-B68D-0743-8E0B-E25F8D01C3A4}"/>
+                  <a16:creationId xmlns="" xmlns:a16="http://schemas.microsoft.com/office/drawing/2014/main" id="{AC5BCC27-B68D-0743-8E0B-E25F8D01C3A4}"/>
                 </a:ext>
               </a:extLst>
             </p:cNvPr>
@@ -5619,7 +5619,7 @@
             <p:cNvPr id="119" name="矩形 13">
               <a:extLst>
                 <a:ext uri="{FF2B5EF4-FFF2-40B4-BE49-F238E27FC236}">
-                  <a16:creationId xmlns:a16="http://schemas.microsoft.com/office/drawing/2014/main" id="{51C2E83A-C975-6945-B2FD-5B22BBB53DB7}"/>
+                  <a16:creationId xmlns="" xmlns:a16="http://schemas.microsoft.com/office/drawing/2014/main" id="{51C2E83A-C975-6945-B2FD-5B22BBB53DB7}"/>
                 </a:ext>
               </a:extLst>
             </p:cNvPr>
@@ -5685,7 +5685,7 @@
             <p:cNvPr id="120" name="矩形 13">
               <a:extLst>
                 <a:ext uri="{FF2B5EF4-FFF2-40B4-BE49-F238E27FC236}">
-                  <a16:creationId xmlns:a16="http://schemas.microsoft.com/office/drawing/2014/main" id="{BEE9A95F-6965-354F-A2C7-2E8C81DDA52F}"/>
+                  <a16:creationId xmlns="" xmlns:a16="http://schemas.microsoft.com/office/drawing/2014/main" id="{BEE9A95F-6965-354F-A2C7-2E8C81DDA52F}"/>
                 </a:ext>
               </a:extLst>
             </p:cNvPr>
@@ -5772,7 +5772,7 @@
             <p:cNvPr id="121" name="矩形 13">
               <a:extLst>
                 <a:ext uri="{FF2B5EF4-FFF2-40B4-BE49-F238E27FC236}">
-                  <a16:creationId xmlns:a16="http://schemas.microsoft.com/office/drawing/2014/main" id="{509164EB-3DC4-7A4F-9E7C-06EBC981CD0A}"/>
+                  <a16:creationId xmlns="" xmlns:a16="http://schemas.microsoft.com/office/drawing/2014/main" id="{509164EB-3DC4-7A4F-9E7C-06EBC981CD0A}"/>
                 </a:ext>
               </a:extLst>
             </p:cNvPr>
@@ -5838,7 +5838,7 @@
             <p:cNvPr id="122" name="矩形 13">
               <a:extLst>
                 <a:ext uri="{FF2B5EF4-FFF2-40B4-BE49-F238E27FC236}">
-                  <a16:creationId xmlns:a16="http://schemas.microsoft.com/office/drawing/2014/main" id="{667867DD-D3E6-3040-A7B5-39345C0CE2E3}"/>
+                  <a16:creationId xmlns="" xmlns:a16="http://schemas.microsoft.com/office/drawing/2014/main" id="{667867DD-D3E6-3040-A7B5-39345C0CE2E3}"/>
                 </a:ext>
               </a:extLst>
             </p:cNvPr>
@@ -5904,7 +5904,7 @@
             <p:cNvPr id="123" name="矩形 13">
               <a:extLst>
                 <a:ext uri="{FF2B5EF4-FFF2-40B4-BE49-F238E27FC236}">
-                  <a16:creationId xmlns:a16="http://schemas.microsoft.com/office/drawing/2014/main" id="{9EE10597-3782-AB46-8453-89FA049C6C46}"/>
+                  <a16:creationId xmlns="" xmlns:a16="http://schemas.microsoft.com/office/drawing/2014/main" id="{9EE10597-3782-AB46-8453-89FA049C6C46}"/>
                 </a:ext>
               </a:extLst>
             </p:cNvPr>
@@ -5991,7 +5991,7 @@
             <p:cNvPr id="124" name="矩形 13">
               <a:extLst>
                 <a:ext uri="{FF2B5EF4-FFF2-40B4-BE49-F238E27FC236}">
-                  <a16:creationId xmlns:a16="http://schemas.microsoft.com/office/drawing/2014/main" id="{966B3529-B594-884C-BED0-5887B34BBBB8}"/>
+                  <a16:creationId xmlns="" xmlns:a16="http://schemas.microsoft.com/office/drawing/2014/main" id="{966B3529-B594-884C-BED0-5887B34BBBB8}"/>
                 </a:ext>
               </a:extLst>
             </p:cNvPr>
@@ -6075,7 +6075,7 @@
             <p:cNvPr id="125" name="矩形 13">
               <a:extLst>
                 <a:ext uri="{FF2B5EF4-FFF2-40B4-BE49-F238E27FC236}">
-                  <a16:creationId xmlns:a16="http://schemas.microsoft.com/office/drawing/2014/main" id="{0B0545C9-147F-584F-80D2-EF13876D7D33}"/>
+                  <a16:creationId xmlns="" xmlns:a16="http://schemas.microsoft.com/office/drawing/2014/main" id="{0B0545C9-147F-584F-80D2-EF13876D7D33}"/>
                 </a:ext>
               </a:extLst>
             </p:cNvPr>
@@ -6180,7 +6180,7 @@
             <p:cNvPr id="126" name="矩形 13">
               <a:extLst>
                 <a:ext uri="{FF2B5EF4-FFF2-40B4-BE49-F238E27FC236}">
-                  <a16:creationId xmlns:a16="http://schemas.microsoft.com/office/drawing/2014/main" id="{44FD0A0B-0D45-3340-A523-465AC24134BF}"/>
+                  <a16:creationId xmlns="" xmlns:a16="http://schemas.microsoft.com/office/drawing/2014/main" id="{44FD0A0B-0D45-3340-A523-465AC24134BF}"/>
                 </a:ext>
               </a:extLst>
             </p:cNvPr>
@@ -6285,7 +6285,7 @@
             <p:cNvPr id="127" name="矩形 13">
               <a:extLst>
                 <a:ext uri="{FF2B5EF4-FFF2-40B4-BE49-F238E27FC236}">
-                  <a16:creationId xmlns:a16="http://schemas.microsoft.com/office/drawing/2014/main" id="{2C404A07-276B-3648-BB25-4EDB5905448C}"/>
+                  <a16:creationId xmlns="" xmlns:a16="http://schemas.microsoft.com/office/drawing/2014/main" id="{2C404A07-276B-3648-BB25-4EDB5905448C}"/>
                 </a:ext>
               </a:extLst>
             </p:cNvPr>
@@ -6372,7 +6372,7 @@
             <p:cNvPr id="128" name="矩形 13">
               <a:extLst>
                 <a:ext uri="{FF2B5EF4-FFF2-40B4-BE49-F238E27FC236}">
-                  <a16:creationId xmlns:a16="http://schemas.microsoft.com/office/drawing/2014/main" id="{72B0F29C-A346-8946-9B8E-8F1B9DFF7AD0}"/>
+                  <a16:creationId xmlns="" xmlns:a16="http://schemas.microsoft.com/office/drawing/2014/main" id="{72B0F29C-A346-8946-9B8E-8F1B9DFF7AD0}"/>
                 </a:ext>
               </a:extLst>
             </p:cNvPr>
@@ -6480,7 +6480,7 @@
           <p:cNvPr id="47" name="Picture 46">
             <a:extLst>
               <a:ext uri="{FF2B5EF4-FFF2-40B4-BE49-F238E27FC236}">
-                <a16:creationId xmlns:a16="http://schemas.microsoft.com/office/drawing/2014/main" id="{92D9040A-3082-2F49-987E-B51574332EF5}"/>
+                <a16:creationId xmlns="" xmlns:a16="http://schemas.microsoft.com/office/drawing/2014/main" id="{92D9040A-3082-2F49-987E-B51574332EF5}"/>
               </a:ext>
             </a:extLst>
           </p:cNvPr>
@@ -6841,7 +6841,7 @@
           <p:cNvPr id="2" name="Title Placeholder 1">
             <a:extLst>
               <a:ext uri="{FF2B5EF4-FFF2-40B4-BE49-F238E27FC236}">
-                <a16:creationId xmlns:a16="http://schemas.microsoft.com/office/drawing/2014/main" id="{145F1158-B1AA-8F41-AF0A-FEA0EC1874AC}"/>
+                <a16:creationId xmlns="" xmlns:a16="http://schemas.microsoft.com/office/drawing/2014/main" id="{145F1158-B1AA-8F41-AF0A-FEA0EC1874AC}"/>
               </a:ext>
             </a:extLst>
           </p:cNvPr>
@@ -6879,7 +6879,7 @@
           <p:cNvPr id="5" name="Text Placeholder 1">
             <a:extLst>
               <a:ext uri="{FF2B5EF4-FFF2-40B4-BE49-F238E27FC236}">
-                <a16:creationId xmlns:a16="http://schemas.microsoft.com/office/drawing/2014/main" id="{F8FC7CCD-75EB-9C44-BC7D-29679334A8CA}"/>
+                <a16:creationId xmlns="" xmlns:a16="http://schemas.microsoft.com/office/drawing/2014/main" id="{F8FC7CCD-75EB-9C44-BC7D-29679334A8CA}"/>
               </a:ext>
             </a:extLst>
           </p:cNvPr>
@@ -7097,6 +7097,15 @@
               </a:rPr>
               <a:t>All Rights Reserved.</a:t>
             </a:r>
+            <a:r>
+              <a:rPr kumimoji="1" lang="en-US" altLang="zh-CN" sz="779" dirty="0">
+                <a:solidFill>
+                  <a:srgbClr val="1D1D1B"/>
+                </a:solidFill>
+                <a:latin typeface="+mn-lt"/>
+              </a:rPr>
+              <a:t/>
+            </a:r>
             <a:br>
               <a:rPr kumimoji="1" lang="en-US" altLang="zh-CN" sz="779" dirty="0">
                 <a:solidFill>
@@ -7105,6 +7114,15 @@
                 <a:latin typeface="+mn-lt"/>
               </a:rPr>
             </a:br>
+            <a:r>
+              <a:rPr kumimoji="1" lang="en-US" altLang="zh-CN" sz="779" dirty="0">
+                <a:solidFill>
+                  <a:srgbClr val="1D1D1B"/>
+                </a:solidFill>
+                <a:latin typeface="+mn-lt"/>
+              </a:rPr>
+              <a:t/>
+            </a:r>
             <a:br>
               <a:rPr kumimoji="1" lang="en-US" altLang="zh-CN" sz="779" dirty="0">
                 <a:solidFill>
@@ -7296,7 +7314,7 @@
           <p:cNvPr id="6" name="Subtitle 6">
             <a:extLst>
               <a:ext uri="{FF2B5EF4-FFF2-40B4-BE49-F238E27FC236}">
-                <a16:creationId xmlns:a16="http://schemas.microsoft.com/office/drawing/2014/main" id="{12B8F806-ABD5-064C-8793-5E22C72554FD}"/>
+                <a16:creationId xmlns="" xmlns:a16="http://schemas.microsoft.com/office/drawing/2014/main" id="{12B8F806-ABD5-064C-8793-5E22C72554FD}"/>
               </a:ext>
             </a:extLst>
           </p:cNvPr>
@@ -7502,6 +7520,17 @@
               </a:rPr>
               <a:t>把数字世界带入每个人、每个家庭、</a:t>
             </a:r>
+            <a:r>
+              <a:rPr kumimoji="1" lang="en-US" altLang="zh-CN" sz="1300" dirty="0">
+                <a:solidFill>
+                  <a:srgbClr val="1D1D1B"/>
+                </a:solidFill>
+                <a:latin typeface="Microsoft YaHei" charset="-122"/>
+                <a:ea typeface="Microsoft YaHei" charset="-122"/>
+                <a:cs typeface="Microsoft YaHei" charset="-122"/>
+              </a:rPr>
+              <a:t/>
+            </a:r>
             <a:br>
               <a:rPr kumimoji="1" lang="en-US" altLang="zh-CN" sz="1300" dirty="0">
                 <a:solidFill>
@@ -7531,7 +7560,7 @@
           <p:cNvPr id="7" name="Subtitle 6">
             <a:extLst>
               <a:ext uri="{FF2B5EF4-FFF2-40B4-BE49-F238E27FC236}">
-                <a16:creationId xmlns:a16="http://schemas.microsoft.com/office/drawing/2014/main" id="{F1235B6F-D691-2C40-93D4-EC5427ADDFB0}"/>
+                <a16:creationId xmlns="" xmlns:a16="http://schemas.microsoft.com/office/drawing/2014/main" id="{F1235B6F-D691-2C40-93D4-EC5427ADDFB0}"/>
               </a:ext>
             </a:extLst>
           </p:cNvPr>
@@ -7787,7 +7816,7 @@
           <p:cNvPr id="8" name="Picture 7">
             <a:extLst>
               <a:ext uri="{FF2B5EF4-FFF2-40B4-BE49-F238E27FC236}">
-                <a16:creationId xmlns:a16="http://schemas.microsoft.com/office/drawing/2014/main" id="{BA792140-33FB-E045-9071-EE8DB65F2A19}"/>
+                <a16:creationId xmlns="" xmlns:a16="http://schemas.microsoft.com/office/drawing/2014/main" id="{BA792140-33FB-E045-9071-EE8DB65F2A19}"/>
               </a:ext>
             </a:extLst>
           </p:cNvPr>
@@ -8140,7 +8169,7 @@
           <p:cNvPr id="2" name="标题 1">
             <a:extLst>
               <a:ext uri="{FF2B5EF4-FFF2-40B4-BE49-F238E27FC236}">
-                <a16:creationId xmlns:a16="http://schemas.microsoft.com/office/drawing/2014/main" id="{6F32941B-1203-4018-A80A-77031AD17372}"/>
+                <a16:creationId xmlns="" xmlns:a16="http://schemas.microsoft.com/office/drawing/2014/main" id="{6F32941B-1203-4018-A80A-77031AD17372}"/>
               </a:ext>
             </a:extLst>
           </p:cNvPr>
@@ -8174,7 +8203,7 @@
           <p:cNvPr id="5" name="矩形 4">
             <a:extLst>
               <a:ext uri="{FF2B5EF4-FFF2-40B4-BE49-F238E27FC236}">
-                <a16:creationId xmlns:a16="http://schemas.microsoft.com/office/drawing/2014/main" id="{B7CA8EF5-ADF2-4115-B429-0D7873B24318}"/>
+                <a16:creationId xmlns="" xmlns:a16="http://schemas.microsoft.com/office/drawing/2014/main" id="{B7CA8EF5-ADF2-4115-B429-0D7873B24318}"/>
               </a:ext>
             </a:extLst>
           </p:cNvPr>
@@ -8183,8 +8212,8 @@
         </p:nvSpPr>
         <p:spPr>
           <a:xfrm>
-            <a:off x="522947" y="1120570"/>
-            <a:ext cx="11835062" cy="5416868"/>
+            <a:off x="522947" y="1101657"/>
+            <a:ext cx="11835062" cy="5509200"/>
           </a:xfrm>
           <a:prstGeom prst="rect">
             <a:avLst/>
@@ -8201,75 +8230,111 @@
                 <a:solidFill>
                   <a:srgbClr val="1F2328"/>
                 </a:solidFill>
-                <a:latin typeface="-apple-system"/>
+                <a:latin typeface="+mn-ea"/>
               </a:rPr>
               <a:t>Meeting Agenda</a:t>
             </a:r>
           </a:p>
           <a:p>
             <a:r>
-              <a:rPr lang="en-US" altLang="zh-CN" sz="1600" b="1" dirty="0"/>
+              <a:rPr lang="en-US" altLang="zh-CN" sz="1600" b="1" dirty="0">
+                <a:latin typeface="+mn-ea"/>
+              </a:rPr>
               <a:t>Time</a:t>
             </a:r>
             <a:r>
-              <a:rPr lang="en-US" altLang="zh-CN" sz="1600" dirty="0"/>
+              <a:rPr lang="en-US" altLang="zh-CN" sz="1600" dirty="0">
+                <a:latin typeface="+mn-ea"/>
+              </a:rPr>
               <a:t>: 18:30-20:00</a:t>
             </a:r>
             <a:br>
-              <a:rPr lang="en-US" altLang="zh-CN" sz="1600" dirty="0"/>
+              <a:rPr lang="en-US" altLang="zh-CN" sz="1600" dirty="0">
+                <a:latin typeface="+mn-ea"/>
+              </a:rPr>
             </a:br>
             <a:r>
-              <a:rPr lang="en-US" altLang="zh-CN" sz="1600" b="1" dirty="0"/>
+              <a:rPr lang="en-US" altLang="zh-CN" sz="1600" b="1" dirty="0">
+                <a:latin typeface="+mn-ea"/>
+              </a:rPr>
               <a:t>Meeting Title:</a:t>
             </a:r>
             <a:r>
-              <a:rPr lang="en-US" altLang="zh-CN" sz="1600" dirty="0"/>
+              <a:rPr lang="en-US" altLang="zh-CN" sz="1600" dirty="0">
+                <a:latin typeface="+mn-ea"/>
+              </a:rPr>
               <a:t> Fast Notification for Traffic Engineering and Load Balancing (Fantel) in Perceptive Routing</a:t>
             </a:r>
             <a:br>
-              <a:rPr lang="en-US" altLang="zh-CN" sz="1600" dirty="0"/>
+              <a:rPr lang="en-US" altLang="zh-CN" sz="1600" dirty="0">
+                <a:latin typeface="+mn-ea"/>
+              </a:rPr>
             </a:br>
             <a:r>
-              <a:rPr lang="en-US" altLang="zh-CN" sz="1600" b="1" dirty="0"/>
+              <a:rPr lang="en-US" altLang="zh-CN" sz="1600" b="1" dirty="0">
+                <a:latin typeface="+mn-ea"/>
+              </a:rPr>
               <a:t>IETF </a:t>
             </a:r>
             <a:r>
-              <a:rPr lang="en-US" altLang="zh-CN" sz="1600" b="1" dirty="0" err="1"/>
+              <a:rPr lang="en-US" altLang="zh-CN" sz="1600" b="1" dirty="0" err="1">
+                <a:latin typeface="+mn-ea"/>
+              </a:rPr>
               <a:t>Webex</a:t>
             </a:r>
             <a:r>
-              <a:rPr lang="en-US" altLang="zh-CN" sz="1600" b="1" dirty="0"/>
+              <a:rPr lang="en-US" altLang="zh-CN" sz="1600" b="1" dirty="0">
+                <a:latin typeface="+mn-ea"/>
+              </a:rPr>
               <a:t>:</a:t>
             </a:r>
             <a:r>
-              <a:rPr lang="en-US" altLang="zh-CN" sz="1600" dirty="0"/>
+              <a:rPr lang="en-US" altLang="zh-CN" sz="1600" dirty="0">
+                <a:latin typeface="+mn-ea"/>
+              </a:rPr>
               <a:t> </a:t>
             </a:r>
             <a:r>
               <a:rPr lang="en-US" altLang="zh-CN" sz="1600" dirty="0">
+                <a:latin typeface="+mn-ea"/>
                 <a:hlinkClick r:id="rId2" tooltip="https://ietf.webex.com/meet/ietfsidemeeting2"/>
               </a:rPr>
               <a:t>https://ietf.webex.com/meet/ietfsidemeeting2</a:t>
             </a:r>
+            <a:r>
+              <a:rPr lang="en-US" altLang="zh-CN" sz="1600" dirty="0">
+                <a:latin typeface="+mn-ea"/>
+              </a:rPr>
+              <a:t/>
+            </a:r>
             <a:br>
-              <a:rPr lang="en-US" altLang="zh-CN" sz="1600" dirty="0"/>
+              <a:rPr lang="en-US" altLang="zh-CN" sz="1600" dirty="0">
+                <a:latin typeface="+mn-ea"/>
+              </a:rPr>
             </a:br>
             <a:r>
-              <a:rPr lang="en-US" altLang="zh-CN" sz="1600" b="1" dirty="0"/>
+              <a:rPr lang="en-US" altLang="zh-CN" sz="1600" b="1" dirty="0">
+                <a:latin typeface="+mn-ea"/>
+              </a:rPr>
               <a:t>Chair:</a:t>
             </a:r>
             <a:r>
-              <a:rPr lang="en-US" altLang="zh-CN" sz="1600" dirty="0"/>
+              <a:rPr lang="en-US" altLang="zh-CN" sz="1600" dirty="0">
+                <a:latin typeface="+mn-ea"/>
+              </a:rPr>
               <a:t> Yingzhen Qu, </a:t>
             </a:r>
             <a:r>
               <a:rPr lang="en-US" altLang="zh-CN" sz="1600" dirty="0">
+                <a:latin typeface="+mn-ea"/>
                 <a:hlinkClick r:id="rId3"/>
               </a:rPr>
               <a:t>yingzhen.qu@futurewei.com</a:t>
             </a:r>
             <a:r>
-              <a:rPr lang="en-US" altLang="zh-CN" sz="1600" dirty="0"/>
+              <a:rPr lang="en-US" altLang="zh-CN" sz="1600" dirty="0">
+                <a:latin typeface="+mn-ea"/>
+              </a:rPr>
               <a:t> </a:t>
             </a:r>
           </a:p>
@@ -8279,7 +8344,7 @@
                 <a:solidFill>
                   <a:srgbClr val="1F2328"/>
                 </a:solidFill>
-                <a:latin typeface="-apple-system"/>
+                <a:latin typeface="+mn-ea"/>
               </a:rPr>
               <a:t>Location: </a:t>
             </a:r>
@@ -8288,7 +8353,7 @@
                 <a:solidFill>
                   <a:srgbClr val="1F2328"/>
                 </a:solidFill>
-                <a:latin typeface="-apple-system"/>
+                <a:latin typeface="+mn-ea"/>
               </a:rPr>
               <a:t>Meeting Room 2</a:t>
             </a:r>
@@ -8298,7 +8363,7 @@
               <a:solidFill>
                 <a:srgbClr val="1F2328"/>
               </a:solidFill>
-              <a:latin typeface="-apple-system"/>
+              <a:latin typeface="+mn-ea"/>
             </a:endParaRPr>
           </a:p>
           <a:p>
@@ -8311,7 +8376,7 @@
                 <a:solidFill>
                   <a:srgbClr val="1F2328"/>
                 </a:solidFill>
-                <a:latin typeface="-apple-system"/>
+                <a:latin typeface="+mn-ea"/>
               </a:rPr>
               <a:t>Opening</a:t>
             </a:r>
@@ -8320,9 +8385,27 @@
                 <a:solidFill>
                   <a:srgbClr val="1F2328"/>
                 </a:solidFill>
-                <a:latin typeface="-apple-system"/>
+                <a:latin typeface="+mn-ea"/>
               </a:rPr>
-              <a:t> (10 mins)</a:t>
+              <a:t> </a:t>
+            </a:r>
+            <a:r>
+              <a:rPr lang="en-US" altLang="zh-CN" sz="1600" dirty="0" smtClean="0">
+                <a:solidFill>
+                  <a:srgbClr val="1F2328"/>
+                </a:solidFill>
+                <a:latin typeface="+mn-ea"/>
+              </a:rPr>
+              <a:t>(5 </a:t>
+            </a:r>
+            <a:r>
+              <a:rPr lang="en-US" altLang="zh-CN" sz="1600" dirty="0">
+                <a:solidFill>
+                  <a:srgbClr val="1F2328"/>
+                </a:solidFill>
+                <a:latin typeface="+mn-ea"/>
+              </a:rPr>
+              <a:t>mins)</a:t>
             </a:r>
           </a:p>
           <a:p>
@@ -8331,7 +8414,7 @@
                 <a:solidFill>
                   <a:srgbClr val="1F2328"/>
                 </a:solidFill>
-                <a:latin typeface="-apple-system"/>
+                <a:latin typeface="+mn-ea"/>
               </a:rPr>
               <a:t>---</a:t>
             </a:r>
@@ -8342,7 +8425,7 @@
                 <a:solidFill>
                   <a:srgbClr val="1F2328"/>
                 </a:solidFill>
-                <a:latin typeface="-apple-system"/>
+                <a:latin typeface="+mn-ea"/>
               </a:rPr>
               <a:t>Use Case&amp; Requirements</a:t>
             </a:r>
@@ -8353,7 +8436,9 @@
               <a:buChar char="•"/>
             </a:pPr>
             <a:r>
-              <a:rPr lang="en-US" altLang="zh-CN" sz="1600" b="1" dirty="0"/>
+              <a:rPr lang="en-US" altLang="zh-CN" sz="1600" b="1" dirty="0">
+                <a:latin typeface="+mn-ea"/>
+              </a:rPr>
               <a:t>Requirements in AI Networks</a:t>
             </a:r>
             <a:r>
@@ -8361,7 +8446,7 @@
                 <a:solidFill>
                   <a:srgbClr val="1F2328"/>
                 </a:solidFill>
-                <a:latin typeface="-apple-system"/>
+                <a:latin typeface="+mn-ea"/>
               </a:rPr>
               <a:t> </a:t>
             </a:r>
@@ -8370,7 +8455,7 @@
                 <a:solidFill>
                   <a:srgbClr val="1F2328"/>
                 </a:solidFill>
-                <a:latin typeface="-apple-system"/>
+                <a:latin typeface="+mn-ea"/>
               </a:rPr>
               <a:t>Pengfei</a:t>
             </a:r>
@@ -8379,7 +8464,7 @@
                 <a:solidFill>
                   <a:srgbClr val="1F2328"/>
                 </a:solidFill>
-                <a:latin typeface="-apple-system"/>
+                <a:latin typeface="+mn-ea"/>
               </a:rPr>
               <a:t> </a:t>
             </a:r>
@@ -8388,7 +8473,7 @@
                 <a:solidFill>
                   <a:srgbClr val="1F2328"/>
                 </a:solidFill>
-                <a:latin typeface="-apple-system"/>
+                <a:latin typeface="+mn-ea"/>
               </a:rPr>
               <a:t>Huo</a:t>
             </a:r>
@@ -8397,7 +8482,7 @@
                 <a:solidFill>
                   <a:srgbClr val="1F2328"/>
                 </a:solidFill>
-                <a:latin typeface="-apple-system"/>
+                <a:latin typeface="+mn-ea"/>
               </a:rPr>
               <a:t> (Byte Dance) (10 mins)</a:t>
             </a:r>
@@ -8412,16 +8497,34 @@
                 <a:solidFill>
                   <a:srgbClr val="1F2328"/>
                 </a:solidFill>
-                <a:latin typeface="-apple-system"/>
+                <a:latin typeface="+mn-ea"/>
               </a:rPr>
-              <a:t>Use Case of fantel in WAN</a:t>
+              <a:t>Use Case of fantel </a:t>
+            </a:r>
+            <a:r>
+              <a:rPr lang="en-US" altLang="zh-CN" sz="1600" b="1">
+                <a:solidFill>
+                  <a:srgbClr val="1F2328"/>
+                </a:solidFill>
+                <a:latin typeface="+mn-ea"/>
+              </a:rPr>
+              <a:t>in </a:t>
+            </a:r>
+            <a:r>
+              <a:rPr lang="en-US" altLang="zh-CN" sz="1600" b="1" smtClean="0">
+                <a:solidFill>
+                  <a:srgbClr val="1F2328"/>
+                </a:solidFill>
+                <a:latin typeface="+mn-ea"/>
+              </a:rPr>
+              <a:t>MAN</a:t>
             </a:r>
             <a:r>
               <a:rPr lang="en-US" altLang="zh-CN" sz="1600" dirty="0">
                 <a:solidFill>
                   <a:srgbClr val="1F2328"/>
                 </a:solidFill>
-                <a:latin typeface="-apple-system"/>
+                <a:latin typeface="+mn-ea"/>
               </a:rPr>
               <a:t> </a:t>
             </a:r>
@@ -8430,7 +8533,7 @@
                 <a:solidFill>
                   <a:srgbClr val="1F2328"/>
                 </a:solidFill>
-                <a:latin typeface="-apple-system"/>
+                <a:latin typeface="+mn-ea"/>
               </a:rPr>
               <a:t>Yongqing</a:t>
             </a:r>
@@ -8439,7 +8542,7 @@
                 <a:solidFill>
                   <a:srgbClr val="1F2328"/>
                 </a:solidFill>
-                <a:latin typeface="-apple-system"/>
+                <a:latin typeface="+mn-ea"/>
               </a:rPr>
               <a:t> Zhu(China Telecom)(10 mins)</a:t>
             </a:r>
@@ -8450,7 +8553,7 @@
                 <a:solidFill>
                   <a:srgbClr val="1F2328"/>
                 </a:solidFill>
-                <a:latin typeface="-apple-system"/>
+                <a:latin typeface="+mn-ea"/>
               </a:rPr>
               <a:t>---</a:t>
             </a:r>
@@ -8461,7 +8564,7 @@
                 <a:solidFill>
                   <a:srgbClr val="1F2328"/>
                 </a:solidFill>
-                <a:latin typeface="-apple-system"/>
+                <a:latin typeface="+mn-ea"/>
               </a:rPr>
               <a:t>Gap Analysis</a:t>
             </a:r>
@@ -8472,11 +8575,15 @@
               <a:buChar char="•"/>
             </a:pPr>
             <a:r>
-              <a:rPr lang="en-US" altLang="zh-CN" sz="1600" b="1" dirty="0"/>
+              <a:rPr lang="en-US" altLang="zh-CN" sz="1600" b="1" dirty="0">
+                <a:latin typeface="+mn-ea"/>
+              </a:rPr>
               <a:t>Gap Analysis from the Perspective of Protection and Load Balancing </a:t>
             </a:r>
             <a:r>
-              <a:rPr lang="en-US" altLang="zh-CN" sz="1600" dirty="0"/>
+              <a:rPr lang="en-US" altLang="zh-CN" sz="1600" dirty="0">
+                <a:latin typeface="+mn-ea"/>
+              </a:rPr>
               <a:t>Rui Zhuang </a:t>
             </a:r>
             <a:r>
@@ -8484,7 +8591,7 @@
                 <a:solidFill>
                   <a:srgbClr val="1F2328"/>
                 </a:solidFill>
-                <a:latin typeface="-apple-system"/>
+                <a:latin typeface="+mn-ea"/>
               </a:rPr>
               <a:t>(China Mobile) (10 mins)</a:t>
             </a:r>
@@ -8495,7 +8602,7 @@
                 <a:solidFill>
                   <a:srgbClr val="1F2328"/>
                 </a:solidFill>
-                <a:latin typeface="-apple-system"/>
+                <a:latin typeface="+mn-ea"/>
               </a:rPr>
               <a:t>---</a:t>
             </a:r>
@@ -8506,7 +8613,7 @@
                 <a:solidFill>
                   <a:srgbClr val="1F2328"/>
                 </a:solidFill>
-                <a:latin typeface="-apple-system"/>
+                <a:latin typeface="+mn-ea"/>
               </a:rPr>
               <a:t>Potential Solutions</a:t>
             </a:r>
@@ -8517,7 +8624,9 @@
               <a:buChar char="•"/>
             </a:pPr>
             <a:r>
-              <a:rPr lang="en-US" altLang="zh-CN" sz="1600" b="1" dirty="0"/>
+              <a:rPr lang="en-US" altLang="zh-CN" sz="1600" b="1" dirty="0">
+                <a:latin typeface="+mn-ea"/>
+              </a:rPr>
               <a:t>BGP Next-next Hop Nodes</a:t>
             </a:r>
             <a:r>
@@ -8525,7 +8634,7 @@
                 <a:solidFill>
                   <a:srgbClr val="1F2328"/>
                 </a:solidFill>
-                <a:latin typeface="-apple-system"/>
+                <a:latin typeface="+mn-ea"/>
               </a:rPr>
               <a:t> </a:t>
             </a:r>
@@ -8534,7 +8643,7 @@
                 <a:solidFill>
                   <a:srgbClr val="1F2328"/>
                 </a:solidFill>
-                <a:latin typeface="-apple-system"/>
+                <a:latin typeface="+mn-ea"/>
               </a:rPr>
               <a:t>Jeffery Zhang, Kevin Wang(Juniper) (10 mins)</a:t>
             </a:r>
@@ -8545,7 +8654,9 @@
               <a:buChar char="•"/>
             </a:pPr>
             <a:r>
-              <a:rPr lang="en-US" altLang="zh-CN" sz="1600" b="1" dirty="0"/>
+              <a:rPr lang="en-US" altLang="zh-CN" sz="1600" b="1" dirty="0">
+                <a:latin typeface="+mn-ea"/>
+              </a:rPr>
               <a:t>Fast Reroute based on Programmable Data Plane</a:t>
             </a:r>
             <a:r>
@@ -8553,20 +8664,27 @@
                 <a:solidFill>
                   <a:srgbClr val="1F2328"/>
                 </a:solidFill>
-                <a:latin typeface="-apple-system"/>
+                <a:latin typeface="+mn-ea"/>
               </a:rPr>
-              <a:t> Shuai Wang(Tsinghua University) (10 mins)</a:t>
-            </a:r>
-          </a:p>
-          <a:p>
-            <a:r>
-              <a:rPr lang="en-US" altLang="zh-CN" sz="1600" dirty="0">
+              <a:t> Shuai Wang(Tsinghua University) (10 </a:t>
+            </a:r>
+            <a:r>
+              <a:rPr lang="en-US" altLang="zh-CN" sz="1600" dirty="0" err="1">
                 <a:solidFill>
                   <a:srgbClr val="1F2328"/>
                 </a:solidFill>
-                <a:latin typeface="-apple-system"/>
+                <a:latin typeface="+mn-ea"/>
               </a:rPr>
-              <a:t>---</a:t>
+              <a:t>mins</a:t>
+            </a:r>
+            <a:r>
+              <a:rPr lang="en-US" altLang="zh-CN" sz="1600" dirty="0" smtClean="0">
+                <a:solidFill>
+                  <a:srgbClr val="1F2328"/>
+                </a:solidFill>
+                <a:latin typeface="+mn-ea"/>
+              </a:rPr>
+              <a:t>)</a:t>
             </a:r>
           </a:p>
           <a:p>
@@ -8575,28 +8693,156 @@
               <a:buChar char="•"/>
             </a:pPr>
             <a:r>
+              <a:rPr lang="en-US" altLang="zh-CN" sz="1600" b="1" dirty="0" smtClean="0">
+                <a:latin typeface="+mn-ea"/>
+              </a:rPr>
+              <a:t>Transport </a:t>
+            </a:r>
+            <a:r>
               <a:rPr lang="en-US" altLang="zh-CN" sz="1600" b="1" dirty="0">
+                <a:latin typeface="+mn-ea"/>
+              </a:rPr>
+              <a:t>protocol for large-scale distributed AI/Ml training </a:t>
+            </a:r>
+            <a:r>
+              <a:rPr lang="en-US" altLang="zh-CN" sz="1600" b="1" dirty="0" smtClean="0">
+                <a:latin typeface="+mn-ea"/>
+              </a:rPr>
+              <a:t>workloads </a:t>
+            </a:r>
+            <a:r>
+              <a:rPr lang="en-US" altLang="zh-CN" sz="1600" dirty="0" err="1" smtClean="0">
+                <a:latin typeface="+mn-ea"/>
+              </a:rPr>
+              <a:t>Vamsi</a:t>
+            </a:r>
+            <a:r>
+              <a:rPr lang="en-US" altLang="zh-CN" sz="1600" dirty="0" smtClean="0">
+                <a:latin typeface="+mn-ea"/>
+              </a:rPr>
+              <a:t> </a:t>
+            </a:r>
+            <a:r>
+              <a:rPr lang="en-US" altLang="zh-CN" sz="1600" dirty="0" err="1" smtClean="0">
+                <a:latin typeface="+mn-ea"/>
+              </a:rPr>
+              <a:t>Addanki</a:t>
+            </a:r>
+            <a:r>
+              <a:rPr lang="en-US" altLang="zh-CN" sz="1600" dirty="0" smtClean="0">
+                <a:latin typeface="+mn-ea"/>
+              </a:rPr>
+              <a:t> (</a:t>
+            </a:r>
+            <a:r>
+              <a:rPr lang="en-US" altLang="zh-CN" sz="1600" dirty="0" err="1">
+                <a:latin typeface="+mn-ea"/>
+              </a:rPr>
+              <a:t>Tu</a:t>
+            </a:r>
+            <a:r>
+              <a:rPr lang="en-US" altLang="zh-CN" sz="1600" dirty="0">
+                <a:latin typeface="+mn-ea"/>
+              </a:rPr>
+              <a:t> Berlin </a:t>
+            </a:r>
+            <a:r>
+              <a:rPr lang="en-US" altLang="zh-CN" sz="1600" dirty="0" smtClean="0">
+                <a:latin typeface="+mn-ea"/>
+              </a:rPr>
+              <a:t>)</a:t>
+            </a:r>
+            <a:r>
+              <a:rPr lang="en-US" altLang="zh-CN" sz="1600" dirty="0">
                 <a:solidFill>
                   <a:srgbClr val="1F2328"/>
                 </a:solidFill>
-                <a:latin typeface="-apple-system"/>
+                <a:latin typeface="+mn-ea"/>
+              </a:rPr>
+              <a:t> (</a:t>
+            </a:r>
+            <a:r>
+              <a:rPr lang="en-US" altLang="zh-CN" sz="1600" dirty="0" smtClean="0">
+                <a:solidFill>
+                  <a:srgbClr val="1F2328"/>
+                </a:solidFill>
+                <a:latin typeface="+mn-ea"/>
+              </a:rPr>
+              <a:t>15 </a:t>
+            </a:r>
+            <a:r>
+              <a:rPr lang="en-US" altLang="zh-CN" sz="1600" dirty="0" err="1">
+                <a:solidFill>
+                  <a:srgbClr val="1F2328"/>
+                </a:solidFill>
+                <a:latin typeface="+mn-ea"/>
+              </a:rPr>
+              <a:t>mins</a:t>
+            </a:r>
+            <a:r>
+              <a:rPr lang="en-US" altLang="zh-CN" sz="1600" dirty="0" smtClean="0">
+                <a:solidFill>
+                  <a:srgbClr val="1F2328"/>
+                </a:solidFill>
+                <a:latin typeface="+mn-ea"/>
+              </a:rPr>
+              <a:t>)</a:t>
+            </a:r>
+            <a:endParaRPr lang="en-US" altLang="zh-CN" sz="1600" b="1" dirty="0">
+              <a:solidFill>
+                <a:srgbClr val="1F2328"/>
+              </a:solidFill>
+              <a:latin typeface="+mn-ea"/>
+            </a:endParaRPr>
+          </a:p>
+          <a:p>
+            <a:r>
+              <a:rPr lang="en-US" altLang="zh-CN" sz="1600" dirty="0">
+                <a:solidFill>
+                  <a:srgbClr val="1F2328"/>
+                </a:solidFill>
+                <a:latin typeface="+mn-ea"/>
+              </a:rPr>
+              <a:t>---</a:t>
+            </a:r>
+          </a:p>
+          <a:p>
+            <a:pPr marL="285750" indent="-285750">
+              <a:buFont typeface="Arial" panose="020B0604020202020204" pitchFamily="34" charset="0"/>
+              <a:buChar char="•"/>
+            </a:pPr>
+            <a:r>
+              <a:rPr lang="en-US" altLang="zh-CN" sz="1600" b="1" dirty="0">
+                <a:solidFill>
+                  <a:srgbClr val="1F2328"/>
+                </a:solidFill>
+                <a:latin typeface="+mn-ea"/>
               </a:rPr>
               <a:t>Charter Discussions </a:t>
             </a:r>
             <a:r>
+              <a:rPr lang="en-US" altLang="zh-CN" sz="1600" dirty="0" smtClean="0">
+                <a:solidFill>
+                  <a:srgbClr val="1F2328"/>
+                </a:solidFill>
+                <a:latin typeface="+mn-ea"/>
+              </a:rPr>
+              <a:t>(20 </a:t>
+            </a:r>
+            <a:r>
               <a:rPr lang="en-US" altLang="zh-CN" sz="1600" dirty="0">
                 <a:solidFill>
                   <a:srgbClr val="1F2328"/>
                 </a:solidFill>
-                <a:latin typeface="-apple-system"/>
+                <a:latin typeface="+mn-ea"/>
               </a:rPr>
-              <a:t>(30 mins)</a:t>
+              <a:t>mins)</a:t>
             </a:r>
             <a:endParaRPr lang="en-US" altLang="zh-CN" dirty="0">
               <a:solidFill>
                 <a:srgbClr val="1F2328"/>
               </a:solidFill>
-              <a:latin typeface="-apple-system"/>
+              <a:latin typeface="+mn-ea"/>
             </a:endParaRPr>
           </a:p>
         </p:txBody>
